--- a/presentation/week3.pptx
+++ b/presentation/week3.pptx
@@ -4384,9 +4384,9 @@
         <p:grpSpPr>
           <a:xfrm>
             <a:off x="388879" y="279400"/>
-            <a:ext cx="2059196" cy="877163"/>
+            <a:ext cx="1526999" cy="877163"/>
             <a:chOff x="598391" y="347144"/>
-            <a:chExt cx="2059196" cy="877163"/>
+            <a:chExt cx="1526999" cy="877163"/>
           </a:xfrm>
         </p:grpSpPr>
         <p:sp>
@@ -4462,7 +4462,7 @@
           <p:spPr>
             <a:xfrm>
               <a:off x="1421351" y="577976"/>
-              <a:ext cx="1236236" cy="646331"/>
+              <a:ext cx="704039" cy="646331"/>
             </a:xfrm>
             <a:prstGeom prst="rect">
               <a:avLst/>
@@ -4476,7 +4476,7 @@
             <a:lstStyle/>
             <a:p>
               <a:r>
-                <a:rPr lang="en-US" altLang="ko-KR" spc="-150" dirty="0">
+                <a:rPr lang="en-US" altLang="ko-KR" spc="-150" dirty="0" smtClean="0">
                   <a:solidFill>
                     <a:schemeClr val="tx1">
                       <a:lumMod val="75000"/>
@@ -4486,12 +4486,22 @@
                   <a:latin typeface="KoPub돋움체 Medium" panose="00000600000000000000" pitchFamily="2" charset="-127"/>
                   <a:ea typeface="KoPub돋움체 Medium" panose="00000600000000000000" pitchFamily="2" charset="-127"/>
                 </a:rPr>
-                <a:t>Data</a:t>
+                <a:t>Project</a:t>
               </a:r>
+              <a:endParaRPr lang="en-US" altLang="ko-KR" spc="-150" dirty="0">
+                <a:solidFill>
+                  <a:schemeClr val="tx1">
+                    <a:lumMod val="75000"/>
+                    <a:lumOff val="25000"/>
+                  </a:schemeClr>
+                </a:solidFill>
+                <a:latin typeface="KoPub돋움체 Medium" panose="00000600000000000000" pitchFamily="2" charset="-127"/>
+                <a:ea typeface="KoPub돋움체 Medium" panose="00000600000000000000" pitchFamily="2" charset="-127"/>
+              </a:endParaRPr>
             </a:p>
             <a:p>
               <a:r>
-                <a:rPr lang="en-US" altLang="ko-KR" spc="-150" dirty="0">
+                <a:rPr lang="en-US" altLang="ko-KR" spc="-150" smtClean="0">
                   <a:solidFill>
                     <a:schemeClr val="tx1">
                       <a:lumMod val="75000"/>
@@ -4501,7 +4511,7 @@
                   <a:latin typeface="KoPub돋움체 Medium" panose="00000600000000000000" pitchFamily="2" charset="-127"/>
                   <a:ea typeface="KoPub돋움체 Medium" panose="00000600000000000000" pitchFamily="2" charset="-127"/>
                 </a:rPr>
-                <a:t>Visualization</a:t>
+                <a:t>Result</a:t>
               </a:r>
               <a:endParaRPr lang="ko-KR" altLang="en-US" spc="-150" dirty="0">
                 <a:solidFill>
@@ -4754,15 +4764,7 @@
           <a:p>
             <a:r>
               <a:rPr kumimoji="1" lang="ko-KR" altLang="en-US" dirty="0" smtClean="0"/>
-              <a:t>이를 활용해서 유동인구에 맞춘 </a:t>
-            </a:r>
-            <a:r>
-              <a:rPr kumimoji="1" lang="ko-KR" altLang="en-US" smtClean="0"/>
-              <a:t>비상대피 안내도를 효율적으로안내할 </a:t>
-            </a:r>
-            <a:r>
-              <a:rPr kumimoji="1" lang="ko-KR" altLang="en-US" dirty="0" smtClean="0"/>
-              <a:t>수 있다</a:t>
+              <a:t>이를 활용해서 유동인구에 맞춘 비상대피 안내도를 효율적으로안내할 수 있다</a:t>
             </a:r>
             <a:r>
               <a:rPr kumimoji="1" lang="en-US" altLang="ko-KR" dirty="0" smtClean="0"/>
@@ -7510,7 +7512,7 @@
             <a:lstStyle/>
             <a:p>
               <a:r>
-                <a:rPr lang="en-US" altLang="ko-KR" spc="-150" dirty="0">
+                <a:rPr lang="en-US" altLang="ko-KR" spc="-150" dirty="0" smtClean="0">
                   <a:solidFill>
                     <a:schemeClr val="tx1">
                       <a:lumMod val="75000"/>
@@ -7520,8 +7522,18 @@
                   <a:latin typeface="KoPub돋움체 Medium" panose="00000600000000000000" pitchFamily="2" charset="-127"/>
                   <a:ea typeface="KoPub돋움체 Medium" panose="00000600000000000000" pitchFamily="2" charset="-127"/>
                 </a:rPr>
-                <a:t>Data</a:t>
+                <a:t>Map</a:t>
               </a:r>
+              <a:endParaRPr lang="en-US" altLang="ko-KR" spc="-150" dirty="0">
+                <a:solidFill>
+                  <a:schemeClr val="tx1">
+                    <a:lumMod val="75000"/>
+                    <a:lumOff val="25000"/>
+                  </a:schemeClr>
+                </a:solidFill>
+                <a:latin typeface="KoPub돋움체 Medium" panose="00000600000000000000" pitchFamily="2" charset="-127"/>
+                <a:ea typeface="KoPub돋움체 Medium" panose="00000600000000000000" pitchFamily="2" charset="-127"/>
+              </a:endParaRPr>
             </a:p>
             <a:p>
               <a:r>
@@ -12137,7 +12149,7 @@
             <a:lstStyle/>
             <a:p>
               <a:r>
-                <a:rPr lang="en-US" altLang="ko-KR" spc="-150" dirty="0">
+                <a:rPr lang="en-US" altLang="ko-KR" spc="-150" dirty="0" smtClean="0">
                   <a:solidFill>
                     <a:schemeClr val="tx1">
                       <a:lumMod val="75000"/>
@@ -12147,8 +12159,18 @@
                   <a:latin typeface="KoPub돋움체 Medium" panose="00000600000000000000" pitchFamily="2" charset="-127"/>
                   <a:ea typeface="KoPub돋움체 Medium" panose="00000600000000000000" pitchFamily="2" charset="-127"/>
                 </a:rPr>
-                <a:t>Data</a:t>
+                <a:t>Map</a:t>
               </a:r>
+              <a:endParaRPr lang="en-US" altLang="ko-KR" spc="-150" dirty="0">
+                <a:solidFill>
+                  <a:schemeClr val="tx1">
+                    <a:lumMod val="75000"/>
+                    <a:lumOff val="25000"/>
+                  </a:schemeClr>
+                </a:solidFill>
+                <a:latin typeface="KoPub돋움체 Medium" panose="00000600000000000000" pitchFamily="2" charset="-127"/>
+                <a:ea typeface="KoPub돋움체 Medium" panose="00000600000000000000" pitchFamily="2" charset="-127"/>
+              </a:endParaRPr>
             </a:p>
             <a:p>
               <a:r>
@@ -12805,7 +12827,7 @@
             <a:lstStyle/>
             <a:p>
               <a:r>
-                <a:rPr lang="en-US" altLang="ko-KR" spc="-150" dirty="0">
+                <a:rPr lang="en-US" altLang="ko-KR" spc="-150" dirty="0" smtClean="0">
                   <a:solidFill>
                     <a:schemeClr val="tx1">
                       <a:lumMod val="75000"/>
@@ -12815,8 +12837,18 @@
                   <a:latin typeface="KoPub돋움체 Medium" panose="00000600000000000000" pitchFamily="2" charset="-127"/>
                   <a:ea typeface="KoPub돋움체 Medium" panose="00000600000000000000" pitchFamily="2" charset="-127"/>
                 </a:rPr>
-                <a:t>Data</a:t>
+                <a:t>Map</a:t>
               </a:r>
+              <a:endParaRPr lang="en-US" altLang="ko-KR" spc="-150" dirty="0">
+                <a:solidFill>
+                  <a:schemeClr val="tx1">
+                    <a:lumMod val="75000"/>
+                    <a:lumOff val="25000"/>
+                  </a:schemeClr>
+                </a:solidFill>
+                <a:latin typeface="KoPub돋움체 Medium" panose="00000600000000000000" pitchFamily="2" charset="-127"/>
+                <a:ea typeface="KoPub돋움체 Medium" panose="00000600000000000000" pitchFamily="2" charset="-127"/>
+              </a:endParaRPr>
             </a:p>
             <a:p>
               <a:r>
@@ -13314,9 +13346,9 @@
         <p:grpSpPr>
           <a:xfrm>
             <a:off x="388879" y="279400"/>
-            <a:ext cx="1972634" cy="877163"/>
+            <a:ext cx="1886072" cy="877163"/>
             <a:chOff x="598391" y="347144"/>
-            <a:chExt cx="1972634" cy="877163"/>
+            <a:chExt cx="1886072" cy="877163"/>
           </a:xfrm>
         </p:grpSpPr>
         <p:sp>
@@ -13392,7 +13424,7 @@
           <p:spPr>
             <a:xfrm>
               <a:off x="1421351" y="577976"/>
-              <a:ext cx="1149674" cy="646331"/>
+              <a:ext cx="1063112" cy="646331"/>
             </a:xfrm>
             <a:prstGeom prst="rect">
               <a:avLst/>
@@ -13406,7 +13438,7 @@
             <a:lstStyle/>
             <a:p>
               <a:r>
-                <a:rPr lang="en-US" altLang="ko-KR" spc="-150" dirty="0">
+                <a:rPr lang="en-US" altLang="ko-KR" spc="-150" dirty="0" smtClean="0">
                   <a:solidFill>
                     <a:schemeClr val="tx1">
                       <a:lumMod val="75000"/>
@@ -13416,8 +13448,18 @@
                   <a:latin typeface="KoPub돋움체 Medium" panose="00000600000000000000" pitchFamily="2" charset="-127"/>
                   <a:ea typeface="KoPub돋움체 Medium" panose="00000600000000000000" pitchFamily="2" charset="-127"/>
                 </a:rPr>
-                <a:t>Data</a:t>
+                <a:t>Map</a:t>
               </a:r>
+              <a:endParaRPr lang="en-US" altLang="ko-KR" spc="-150" dirty="0">
+                <a:solidFill>
+                  <a:schemeClr val="tx1">
+                    <a:lumMod val="75000"/>
+                    <a:lumOff val="25000"/>
+                  </a:schemeClr>
+                </a:solidFill>
+                <a:latin typeface="KoPub돋움체 Medium" panose="00000600000000000000" pitchFamily="2" charset="-127"/>
+                <a:ea typeface="KoPub돋움체 Medium" panose="00000600000000000000" pitchFamily="2" charset="-127"/>
+              </a:endParaRPr>
             </a:p>
             <a:p>
               <a:r>
